--- a/Figures.pptx
+++ b/Figures.pptx
@@ -5,15 +5,16 @@
     <p:sldMasterId id="2147483648" r:id="rId1"/>
   </p:sldMasterIdLst>
   <p:notesMasterIdLst>
-    <p:notesMasterId r:id="rId8"/>
+    <p:notesMasterId r:id="rId9"/>
   </p:notesMasterIdLst>
   <p:sldIdLst>
     <p:sldId id="262" r:id="rId2"/>
     <p:sldId id="258" r:id="rId3"/>
-    <p:sldId id="261" r:id="rId4"/>
-    <p:sldId id="260" r:id="rId5"/>
-    <p:sldId id="263" r:id="rId6"/>
-    <p:sldId id="259" r:id="rId7"/>
+    <p:sldId id="264" r:id="rId4"/>
+    <p:sldId id="261" r:id="rId5"/>
+    <p:sldId id="260" r:id="rId6"/>
+    <p:sldId id="263" r:id="rId7"/>
+    <p:sldId id="259" r:id="rId8"/>
   </p:sldIdLst>
   <p:sldSz cx="12192000" cy="6858000"/>
   <p:notesSz cx="6858000" cy="9144000"/>
@@ -524,10 +525,7 @@
           <a:bodyPr/>
           <a:lstStyle/>
           <a:p>
-            <a:r>
-              <a:rPr lang="en-US" dirty="0"/>
-              <a:t>Negative Explore</a:t>
-            </a:r>
+            <a:endParaRPr lang="en-US" dirty="0"/>
           </a:p>
         </p:txBody>
       </p:sp>
@@ -548,7 +546,7 @@
           <a:p>
             <a:fld id="{B6F25A98-E0AF-7341-9036-1111E0E69106}" type="slidenum">
               <a:rPr lang="en-US" smtClean="0"/>
-              <a:t>2</a:t>
+              <a:t>1</a:t>
             </a:fld>
             <a:endParaRPr lang="en-US"/>
           </a:p>
@@ -557,7 +555,7 @@
     </p:spTree>
     <p:extLst>
       <p:ext uri="{BB962C8B-B14F-4D97-AF65-F5344CB8AC3E}">
-        <p14:creationId xmlns:p14="http://schemas.microsoft.com/office/powerpoint/2010/main" val="3048948944"/>
+        <p14:creationId xmlns:p14="http://schemas.microsoft.com/office/powerpoint/2010/main" val="1402093760"/>
       </p:ext>
     </p:extLst>
   </p:cSld>
@@ -594,11 +592,126 @@
             <p:ph type="sldImg"/>
           </p:nvPr>
         </p:nvSpPr>
+        <p:spPr>
+          <a:xfrm>
+            <a:off x="685800" y="1143000"/>
+            <a:ext cx="5486400" cy="3086100"/>
+          </a:xfrm>
+        </p:spPr>
+      </p:sp>
+      <p:sp>
+        <p:nvSpPr>
+          <p:cNvPr id="3" name="Notes Placeholder 2"/>
+          <p:cNvSpPr>
+            <a:spLocks noGrp="1"/>
+          </p:cNvSpPr>
+          <p:nvPr>
+            <p:ph type="body" idx="1"/>
+          </p:nvPr>
+        </p:nvSpPr>
         <p:spPr/>
-      </p:sp>
-      <p:sp>
-        <p:nvSpPr>
-          <p:cNvPr id="3" name="Notes Placeholder 2"/>
+        <p:txBody>
+          <a:bodyPr/>
+          <a:lstStyle/>
+          <a:p>
+            <a:r>
+              <a:rPr lang="en-US" dirty="0"/>
+              <a:t>Negative Explore</a:t>
+            </a:r>
+          </a:p>
+        </p:txBody>
+      </p:sp>
+      <p:sp>
+        <p:nvSpPr>
+          <p:cNvPr id="4" name="Slide Number Placeholder 3"/>
+          <p:cNvSpPr>
+            <a:spLocks noGrp="1"/>
+          </p:cNvSpPr>
+          <p:nvPr>
+            <p:ph type="sldNum" sz="quarter" idx="5"/>
+          </p:nvPr>
+        </p:nvSpPr>
+        <p:spPr/>
+        <p:txBody>
+          <a:bodyPr/>
+          <a:lstStyle/>
+          <a:p>
+            <a:fld id="{B6F25A98-E0AF-7341-9036-1111E0E69106}" type="slidenum">
+              <a:rPr lang="en-US" smtClean="0"/>
+              <a:t>2</a:t>
+            </a:fld>
+            <a:endParaRPr lang="en-US"/>
+          </a:p>
+        </p:txBody>
+      </p:sp>
+    </p:spTree>
+    <p:extLst>
+      <p:ext uri="{BB962C8B-B14F-4D97-AF65-F5344CB8AC3E}">
+        <p14:creationId xmlns:p14="http://schemas.microsoft.com/office/powerpoint/2010/main" val="3048948944"/>
+      </p:ext>
+    </p:extLst>
+  </p:cSld>
+  <p:clrMapOvr>
+    <a:masterClrMapping/>
+  </p:clrMapOvr>
+</p:notes>
+</file>
+
+<file path=ppt/notesSlides/notesSlide3.xml><?xml version="1.0" encoding="utf-8"?>
+<p:notes xmlns:a="http://schemas.openxmlformats.org/drawingml/2006/main" xmlns:r="http://schemas.openxmlformats.org/officeDocument/2006/relationships" xmlns:p="http://schemas.openxmlformats.org/presentationml/2006/main">
+  <p:cSld>
+    <p:spTree>
+      <p:nvGrpSpPr>
+        <p:cNvPr id="1" name="">
+          <a:extLst>
+            <a:ext uri="{FF2B5EF4-FFF2-40B4-BE49-F238E27FC236}">
+              <a16:creationId xmlns:a16="http://schemas.microsoft.com/office/drawing/2014/main" id="{113234CF-1E63-9BF9-3B1C-C9E9F9D157A8}"/>
+            </a:ext>
+          </a:extLst>
+        </p:cNvPr>
+        <p:cNvGrpSpPr/>
+        <p:nvPr/>
+      </p:nvGrpSpPr>
+      <p:grpSpPr>
+        <a:xfrm>
+          <a:off x="0" y="0"/>
+          <a:ext cx="0" cy="0"/>
+          <a:chOff x="0" y="0"/>
+          <a:chExt cx="0" cy="0"/>
+        </a:xfrm>
+      </p:grpSpPr>
+      <p:sp>
+        <p:nvSpPr>
+          <p:cNvPr id="2" name="Slide Image Placeholder 1">
+            <a:extLst>
+              <a:ext uri="{FF2B5EF4-FFF2-40B4-BE49-F238E27FC236}">
+                <a16:creationId xmlns:a16="http://schemas.microsoft.com/office/drawing/2014/main" id="{FC863FD1-706B-2DF4-9524-C005003968E3}"/>
+              </a:ext>
+            </a:extLst>
+          </p:cNvPr>
+          <p:cNvSpPr>
+            <a:spLocks noGrp="1" noRot="1" noChangeAspect="1"/>
+          </p:cNvSpPr>
+          <p:nvPr>
+            <p:ph type="sldImg"/>
+          </p:nvPr>
+        </p:nvSpPr>
+        <p:spPr>
+          <a:xfrm>
+            <a:off x="685800" y="1143000"/>
+            <a:ext cx="5486400" cy="3086100"/>
+          </a:xfrm>
+        </p:spPr>
+      </p:sp>
+      <p:sp>
+        <p:nvSpPr>
+          <p:cNvPr id="3" name="Notes Placeholder 2">
+            <a:extLst>
+              <a:ext uri="{FF2B5EF4-FFF2-40B4-BE49-F238E27FC236}">
+                <a16:creationId xmlns:a16="http://schemas.microsoft.com/office/drawing/2014/main" id="{DEC709EB-97D2-F704-6CF4-5ED4BCAA7B3D}"/>
+              </a:ext>
+            </a:extLst>
+          </p:cNvPr>
           <p:cNvSpPr>
             <a:spLocks noGrp="1"/>
           </p:cNvSpPr>
@@ -613,14 +726,20 @@
           <a:p>
             <a:r>
               <a:rPr lang="en-US" dirty="0"/>
-              <a:t>Negative + D + A regulates B Explore</a:t>
-            </a:r>
-          </a:p>
-        </p:txBody>
-      </p:sp>
-      <p:sp>
-        <p:nvSpPr>
-          <p:cNvPr id="4" name="Slide Number Placeholder 3"/>
+              <a:t>Negative + D Explore</a:t>
+            </a:r>
+          </a:p>
+        </p:txBody>
+      </p:sp>
+      <p:sp>
+        <p:nvSpPr>
+          <p:cNvPr id="4" name="Slide Number Placeholder 3">
+            <a:extLst>
+              <a:ext uri="{FF2B5EF4-FFF2-40B4-BE49-F238E27FC236}">
+                <a16:creationId xmlns:a16="http://schemas.microsoft.com/office/drawing/2014/main" id="{847EE6C1-0A65-EAD2-E4C0-AA6888C7CD0A}"/>
+              </a:ext>
+            </a:extLst>
+          </p:cNvPr>
           <p:cNvSpPr>
             <a:spLocks noGrp="1"/>
           </p:cNvSpPr>
@@ -636,6 +755,98 @@
             <a:fld id="{B6F25A98-E0AF-7341-9036-1111E0E69106}" type="slidenum">
               <a:rPr lang="en-US" smtClean="0"/>
               <a:t>3</a:t>
+            </a:fld>
+            <a:endParaRPr lang="en-US"/>
+          </a:p>
+        </p:txBody>
+      </p:sp>
+    </p:spTree>
+    <p:extLst>
+      <p:ext uri="{BB962C8B-B14F-4D97-AF65-F5344CB8AC3E}">
+        <p14:creationId xmlns:p14="http://schemas.microsoft.com/office/powerpoint/2010/main" val="4189971327"/>
+      </p:ext>
+    </p:extLst>
+  </p:cSld>
+  <p:clrMapOvr>
+    <a:masterClrMapping/>
+  </p:clrMapOvr>
+</p:notes>
+</file>
+
+<file path=ppt/notesSlides/notesSlide4.xml><?xml version="1.0" encoding="utf-8"?>
+<p:notes xmlns:a="http://schemas.openxmlformats.org/drawingml/2006/main" xmlns:r="http://schemas.openxmlformats.org/officeDocument/2006/relationships" xmlns:p="http://schemas.openxmlformats.org/presentationml/2006/main">
+  <p:cSld>
+    <p:spTree>
+      <p:nvGrpSpPr>
+        <p:cNvPr id="1" name=""/>
+        <p:cNvGrpSpPr/>
+        <p:nvPr/>
+      </p:nvGrpSpPr>
+      <p:grpSpPr>
+        <a:xfrm>
+          <a:off x="0" y="0"/>
+          <a:ext cx="0" cy="0"/>
+          <a:chOff x="0" y="0"/>
+          <a:chExt cx="0" cy="0"/>
+        </a:xfrm>
+      </p:grpSpPr>
+      <p:sp>
+        <p:nvSpPr>
+          <p:cNvPr id="2" name="Slide Image Placeholder 1"/>
+          <p:cNvSpPr>
+            <a:spLocks noGrp="1" noRot="1" noChangeAspect="1"/>
+          </p:cNvSpPr>
+          <p:nvPr>
+            <p:ph type="sldImg"/>
+          </p:nvPr>
+        </p:nvSpPr>
+        <p:spPr>
+          <a:xfrm>
+            <a:off x="685800" y="1143000"/>
+            <a:ext cx="5486400" cy="3086100"/>
+          </a:xfrm>
+        </p:spPr>
+      </p:sp>
+      <p:sp>
+        <p:nvSpPr>
+          <p:cNvPr id="3" name="Notes Placeholder 2"/>
+          <p:cNvSpPr>
+            <a:spLocks noGrp="1"/>
+          </p:cNvSpPr>
+          <p:nvPr>
+            <p:ph type="body" idx="1"/>
+          </p:nvPr>
+        </p:nvSpPr>
+        <p:spPr/>
+        <p:txBody>
+          <a:bodyPr/>
+          <a:lstStyle/>
+          <a:p>
+            <a:r>
+              <a:rPr lang="en-US" dirty="0"/>
+              <a:t>Negative + D + A regulates B Explore</a:t>
+            </a:r>
+          </a:p>
+        </p:txBody>
+      </p:sp>
+      <p:sp>
+        <p:nvSpPr>
+          <p:cNvPr id="4" name="Slide Number Placeholder 3"/>
+          <p:cNvSpPr>
+            <a:spLocks noGrp="1"/>
+          </p:cNvSpPr>
+          <p:nvPr>
+            <p:ph type="sldNum" sz="quarter" idx="5"/>
+          </p:nvPr>
+        </p:nvSpPr>
+        <p:spPr/>
+        <p:txBody>
+          <a:bodyPr/>
+          <a:lstStyle/>
+          <a:p>
+            <a:fld id="{B6F25A98-E0AF-7341-9036-1111E0E69106}" type="slidenum">
+              <a:rPr lang="en-US" smtClean="0"/>
+              <a:t>4</a:t>
             </a:fld>
             <a:endParaRPr lang="en-US"/>
           </a:p>
@@ -654,7 +865,7 @@
 </p:notes>
 </file>
 
-<file path=ppt/notesSlides/notesSlide3.xml><?xml version="1.0" encoding="utf-8"?>
+<file path=ppt/notesSlides/notesSlide5.xml><?xml version="1.0" encoding="utf-8"?>
 <p:notes xmlns:a="http://schemas.openxmlformats.org/drawingml/2006/main" xmlns:r="http://schemas.openxmlformats.org/officeDocument/2006/relationships" xmlns:p="http://schemas.openxmlformats.org/presentationml/2006/main">
   <p:cSld>
     <p:spTree>
@@ -693,7 +904,12 @@
             <p:ph type="sldImg"/>
           </p:nvPr>
         </p:nvSpPr>
-        <p:spPr/>
+        <p:spPr>
+          <a:xfrm>
+            <a:off x="685800" y="1143000"/>
+            <a:ext cx="5486400" cy="3086100"/>
+          </a:xfrm>
+        </p:spPr>
       </p:sp>
       <p:sp>
         <p:nvSpPr>
@@ -746,7 +962,7 @@
           <a:p>
             <a:fld id="{B6F25A98-E0AF-7341-9036-1111E0E69106}" type="slidenum">
               <a:rPr lang="en-US" smtClean="0"/>
-              <a:t>4</a:t>
+              <a:t>5</a:t>
             </a:fld>
             <a:endParaRPr lang="en-US"/>
           </a:p>
@@ -765,7 +981,7 @@
 </p:notes>
 </file>
 
-<file path=ppt/notesSlides/notesSlide4.xml><?xml version="1.0" encoding="utf-8"?>
+<file path=ppt/notesSlides/notesSlide6.xml><?xml version="1.0" encoding="utf-8"?>
 <p:notes xmlns:a="http://schemas.openxmlformats.org/drawingml/2006/main" xmlns:r="http://schemas.openxmlformats.org/officeDocument/2006/relationships" xmlns:p="http://schemas.openxmlformats.org/presentationml/2006/main">
   <p:cSld>
     <p:spTree>
@@ -804,7 +1020,12 @@
             <p:ph type="sldImg"/>
           </p:nvPr>
         </p:nvSpPr>
-        <p:spPr/>
+        <p:spPr>
+          <a:xfrm>
+            <a:off x="685800" y="1143000"/>
+            <a:ext cx="5486400" cy="3086100"/>
+          </a:xfrm>
+        </p:spPr>
       </p:sp>
       <p:sp>
         <p:nvSpPr>
@@ -857,7 +1078,7 @@
           <a:p>
             <a:fld id="{B6F25A98-E0AF-7341-9036-1111E0E69106}" type="slidenum">
               <a:rPr lang="en-US" smtClean="0"/>
-              <a:t>5</a:t>
+              <a:t>6</a:t>
             </a:fld>
             <a:endParaRPr lang="en-US"/>
           </a:p>
@@ -876,7 +1097,7 @@
 </p:notes>
 </file>
 
-<file path=ppt/notesSlides/notesSlide5.xml><?xml version="1.0" encoding="utf-8"?>
+<file path=ppt/notesSlides/notesSlide7.xml><?xml version="1.0" encoding="utf-8"?>
 <p:notes xmlns:a="http://schemas.openxmlformats.org/drawingml/2006/main" xmlns:r="http://schemas.openxmlformats.org/officeDocument/2006/relationships" xmlns:p="http://schemas.openxmlformats.org/presentationml/2006/main">
   <p:cSld>
     <p:spTree>
@@ -903,7 +1124,12 @@
             <p:ph type="sldImg"/>
           </p:nvPr>
         </p:nvSpPr>
-        <p:spPr/>
+        <p:spPr>
+          <a:xfrm>
+            <a:off x="685800" y="1143000"/>
+            <a:ext cx="5486400" cy="3086100"/>
+          </a:xfrm>
+        </p:spPr>
       </p:sp>
       <p:sp>
         <p:nvSpPr>
@@ -944,7 +1170,7 @@
           <a:p>
             <a:fld id="{B6F25A98-E0AF-7341-9036-1111E0E69106}" type="slidenum">
               <a:rPr lang="en-US" smtClean="0"/>
-              <a:t>6</a:t>
+              <a:t>7</a:t>
             </a:fld>
             <a:endParaRPr lang="en-US"/>
           </a:p>
@@ -1046,35 +1272,35 @@
               <a:buNone/>
               <a:defRPr sz="2400"/>
             </a:lvl1pPr>
-            <a:lvl2pPr marL="457200" indent="0" algn="ctr">
+            <a:lvl2pPr marL="457206" indent="0" algn="ctr">
               <a:buNone/>
               <a:defRPr sz="2000"/>
             </a:lvl2pPr>
-            <a:lvl3pPr marL="914400" indent="0" algn="ctr">
+            <a:lvl3pPr marL="914411" indent="0" algn="ctr">
               <a:buNone/>
               <a:defRPr sz="1800"/>
             </a:lvl3pPr>
-            <a:lvl4pPr marL="1371600" indent="0" algn="ctr">
+            <a:lvl4pPr marL="1371617" indent="0" algn="ctr">
               <a:buNone/>
               <a:defRPr sz="1600"/>
             </a:lvl4pPr>
-            <a:lvl5pPr marL="1828800" indent="0" algn="ctr">
+            <a:lvl5pPr marL="1828823" indent="0" algn="ctr">
               <a:buNone/>
               <a:defRPr sz="1600"/>
             </a:lvl5pPr>
-            <a:lvl6pPr marL="2286000" indent="0" algn="ctr">
+            <a:lvl6pPr marL="2286029" indent="0" algn="ctr">
               <a:buNone/>
               <a:defRPr sz="1600"/>
             </a:lvl6pPr>
-            <a:lvl7pPr marL="2743200" indent="0" algn="ctr">
+            <a:lvl7pPr marL="2743234" indent="0" algn="ctr">
               <a:buNone/>
               <a:defRPr sz="1600"/>
             </a:lvl7pPr>
-            <a:lvl8pPr marL="3200400" indent="0" algn="ctr">
+            <a:lvl8pPr marL="3200440" indent="0" algn="ctr">
               <a:buNone/>
               <a:defRPr sz="1600"/>
             </a:lvl8pPr>
-            <a:lvl9pPr marL="3657600" indent="0" algn="ctr">
+            <a:lvl9pPr marL="3657646" indent="0" algn="ctr">
               <a:buNone/>
               <a:defRPr sz="1600"/>
             </a:lvl9pPr>
@@ -1859,7 +2085,7 @@
         </p:nvSpPr>
         <p:spPr>
           <a:xfrm>
-            <a:off x="831850" y="4589463"/>
+            <a:off x="831850" y="4589465"/>
             <a:ext cx="10515600" cy="1500187"/>
           </a:xfrm>
         </p:spPr>
@@ -1876,7 +2102,7 @@
                 </a:solidFill>
               </a:defRPr>
             </a:lvl1pPr>
-            <a:lvl2pPr marL="457200" indent="0">
+            <a:lvl2pPr marL="457206" indent="0">
               <a:buNone/>
               <a:defRPr sz="2000">
                 <a:solidFill>
@@ -1886,7 +2112,7 @@
                 </a:solidFill>
               </a:defRPr>
             </a:lvl2pPr>
-            <a:lvl3pPr marL="914400" indent="0">
+            <a:lvl3pPr marL="914411" indent="0">
               <a:buNone/>
               <a:defRPr sz="1800">
                 <a:solidFill>
@@ -1896,7 +2122,7 @@
                 </a:solidFill>
               </a:defRPr>
             </a:lvl3pPr>
-            <a:lvl4pPr marL="1371600" indent="0">
+            <a:lvl4pPr marL="1371617" indent="0">
               <a:buNone/>
               <a:defRPr sz="1600">
                 <a:solidFill>
@@ -1906,7 +2132,7 @@
                 </a:solidFill>
               </a:defRPr>
             </a:lvl4pPr>
-            <a:lvl5pPr marL="1828800" indent="0">
+            <a:lvl5pPr marL="1828823" indent="0">
               <a:buNone/>
               <a:defRPr sz="1600">
                 <a:solidFill>
@@ -1916,7 +2142,7 @@
                 </a:solidFill>
               </a:defRPr>
             </a:lvl5pPr>
-            <a:lvl6pPr marL="2286000" indent="0">
+            <a:lvl6pPr marL="2286029" indent="0">
               <a:buNone/>
               <a:defRPr sz="1600">
                 <a:solidFill>
@@ -1926,7 +2152,7 @@
                 </a:solidFill>
               </a:defRPr>
             </a:lvl6pPr>
-            <a:lvl7pPr marL="2743200" indent="0">
+            <a:lvl7pPr marL="2743234" indent="0">
               <a:buNone/>
               <a:defRPr sz="1600">
                 <a:solidFill>
@@ -1936,7 +2162,7 @@
                 </a:solidFill>
               </a:defRPr>
             </a:lvl7pPr>
-            <a:lvl8pPr marL="3200400" indent="0">
+            <a:lvl8pPr marL="3200440" indent="0">
               <a:buNone/>
               <a:defRPr sz="1600">
                 <a:solidFill>
@@ -1946,7 +2172,7 @@
                 </a:solidFill>
               </a:defRPr>
             </a:lvl8pPr>
-            <a:lvl9pPr marL="3657600" indent="0">
+            <a:lvl9pPr marL="3657646" indent="0">
               <a:buNone/>
               <a:defRPr sz="1600">
                 <a:solidFill>
@@ -2362,7 +2588,7 @@
         </p:nvSpPr>
         <p:spPr>
           <a:xfrm>
-            <a:off x="839788" y="365125"/>
+            <a:off x="839788" y="365126"/>
             <a:ext cx="10515600" cy="1325563"/>
           </a:xfrm>
         </p:spPr>
@@ -2406,35 +2632,35 @@
               <a:buNone/>
               <a:defRPr sz="2400" b="1"/>
             </a:lvl1pPr>
-            <a:lvl2pPr marL="457200" indent="0">
+            <a:lvl2pPr marL="457206" indent="0">
               <a:buNone/>
               <a:defRPr sz="2000" b="1"/>
             </a:lvl2pPr>
-            <a:lvl3pPr marL="914400" indent="0">
+            <a:lvl3pPr marL="914411" indent="0">
               <a:buNone/>
               <a:defRPr sz="1800" b="1"/>
             </a:lvl3pPr>
-            <a:lvl4pPr marL="1371600" indent="0">
+            <a:lvl4pPr marL="1371617" indent="0">
               <a:buNone/>
               <a:defRPr sz="1600" b="1"/>
             </a:lvl4pPr>
-            <a:lvl5pPr marL="1828800" indent="0">
+            <a:lvl5pPr marL="1828823" indent="0">
               <a:buNone/>
               <a:defRPr sz="1600" b="1"/>
             </a:lvl5pPr>
-            <a:lvl6pPr marL="2286000" indent="0">
+            <a:lvl6pPr marL="2286029" indent="0">
               <a:buNone/>
               <a:defRPr sz="1600" b="1"/>
             </a:lvl6pPr>
-            <a:lvl7pPr marL="2743200" indent="0">
+            <a:lvl7pPr marL="2743234" indent="0">
               <a:buNone/>
               <a:defRPr sz="1600" b="1"/>
             </a:lvl7pPr>
-            <a:lvl8pPr marL="3200400" indent="0">
+            <a:lvl8pPr marL="3200440" indent="0">
               <a:buNone/>
               <a:defRPr sz="1600" b="1"/>
             </a:lvl8pPr>
-            <a:lvl9pPr marL="3657600" indent="0">
+            <a:lvl9pPr marL="3657646" indent="0">
               <a:buNone/>
               <a:defRPr sz="1600" b="1"/>
             </a:lvl9pPr>
@@ -2528,7 +2754,7 @@
         </p:nvSpPr>
         <p:spPr>
           <a:xfrm>
-            <a:off x="6172200" y="1681163"/>
+            <a:off x="6172201" y="1681163"/>
             <a:ext cx="5183188" cy="823912"/>
           </a:xfrm>
         </p:spPr>
@@ -2539,35 +2765,35 @@
               <a:buNone/>
               <a:defRPr sz="2400" b="1"/>
             </a:lvl1pPr>
-            <a:lvl2pPr marL="457200" indent="0">
+            <a:lvl2pPr marL="457206" indent="0">
               <a:buNone/>
               <a:defRPr sz="2000" b="1"/>
             </a:lvl2pPr>
-            <a:lvl3pPr marL="914400" indent="0">
+            <a:lvl3pPr marL="914411" indent="0">
               <a:buNone/>
               <a:defRPr sz="1800" b="1"/>
             </a:lvl3pPr>
-            <a:lvl4pPr marL="1371600" indent="0">
+            <a:lvl4pPr marL="1371617" indent="0">
               <a:buNone/>
               <a:defRPr sz="1600" b="1"/>
             </a:lvl4pPr>
-            <a:lvl5pPr marL="1828800" indent="0">
+            <a:lvl5pPr marL="1828823" indent="0">
               <a:buNone/>
               <a:defRPr sz="1600" b="1"/>
             </a:lvl5pPr>
-            <a:lvl6pPr marL="2286000" indent="0">
+            <a:lvl6pPr marL="2286029" indent="0">
               <a:buNone/>
               <a:defRPr sz="1600" b="1"/>
             </a:lvl6pPr>
-            <a:lvl7pPr marL="2743200" indent="0">
+            <a:lvl7pPr marL="2743234" indent="0">
               <a:buNone/>
               <a:defRPr sz="1600" b="1"/>
             </a:lvl7pPr>
-            <a:lvl8pPr marL="3200400" indent="0">
+            <a:lvl8pPr marL="3200440" indent="0">
               <a:buNone/>
               <a:defRPr sz="1600" b="1"/>
             </a:lvl8pPr>
-            <a:lvl9pPr marL="3657600" indent="0">
+            <a:lvl9pPr marL="3657646" indent="0">
               <a:buNone/>
               <a:defRPr sz="1600" b="1"/>
             </a:lvl9pPr>
@@ -2599,7 +2825,7 @@
         </p:nvSpPr>
         <p:spPr>
           <a:xfrm>
-            <a:off x="6172200" y="2505075"/>
+            <a:off x="6172201" y="2505075"/>
             <a:ext cx="5183188" cy="3684588"/>
           </a:xfrm>
         </p:spPr>
@@ -3028,7 +3254,7 @@
         </p:nvSpPr>
         <p:spPr>
           <a:xfrm>
-            <a:off x="839788" y="457200"/>
+            <a:off x="839789" y="457200"/>
             <a:ext cx="3932237" cy="1600200"/>
           </a:xfrm>
         </p:spPr>
@@ -3065,7 +3291,7 @@
         </p:nvSpPr>
         <p:spPr>
           <a:xfrm>
-            <a:off x="5183188" y="987425"/>
+            <a:off x="5183188" y="987426"/>
             <a:ext cx="6172200" cy="4873625"/>
           </a:xfrm>
         </p:spPr>
@@ -3155,7 +3381,7 @@
         </p:nvSpPr>
         <p:spPr>
           <a:xfrm>
-            <a:off x="839788" y="2057400"/>
+            <a:off x="839789" y="2057400"/>
             <a:ext cx="3932237" cy="3811588"/>
           </a:xfrm>
         </p:spPr>
@@ -3166,35 +3392,35 @@
               <a:buNone/>
               <a:defRPr sz="1600"/>
             </a:lvl1pPr>
-            <a:lvl2pPr marL="457200" indent="0">
+            <a:lvl2pPr marL="457206" indent="0">
               <a:buNone/>
               <a:defRPr sz="1400"/>
             </a:lvl2pPr>
-            <a:lvl3pPr marL="914400" indent="0">
+            <a:lvl3pPr marL="914411" indent="0">
               <a:buNone/>
               <a:defRPr sz="1200"/>
             </a:lvl3pPr>
-            <a:lvl4pPr marL="1371600" indent="0">
+            <a:lvl4pPr marL="1371617" indent="0">
               <a:buNone/>
               <a:defRPr sz="1000"/>
             </a:lvl4pPr>
-            <a:lvl5pPr marL="1828800" indent="0">
+            <a:lvl5pPr marL="1828823" indent="0">
               <a:buNone/>
               <a:defRPr sz="1000"/>
             </a:lvl5pPr>
-            <a:lvl6pPr marL="2286000" indent="0">
+            <a:lvl6pPr marL="2286029" indent="0">
               <a:buNone/>
               <a:defRPr sz="1000"/>
             </a:lvl6pPr>
-            <a:lvl7pPr marL="2743200" indent="0">
+            <a:lvl7pPr marL="2743234" indent="0">
               <a:buNone/>
               <a:defRPr sz="1000"/>
             </a:lvl7pPr>
-            <a:lvl8pPr marL="3200400" indent="0">
+            <a:lvl8pPr marL="3200440" indent="0">
               <a:buNone/>
               <a:defRPr sz="1000"/>
             </a:lvl8pPr>
-            <a:lvl9pPr marL="3657600" indent="0">
+            <a:lvl9pPr marL="3657646" indent="0">
               <a:buNone/>
               <a:defRPr sz="1000"/>
             </a:lvl9pPr>
@@ -3339,7 +3565,7 @@
         </p:nvSpPr>
         <p:spPr>
           <a:xfrm>
-            <a:off x="839788" y="457200"/>
+            <a:off x="839789" y="457200"/>
             <a:ext cx="3932237" cy="1600200"/>
           </a:xfrm>
         </p:spPr>
@@ -3376,7 +3602,7 @@
         </p:nvSpPr>
         <p:spPr>
           <a:xfrm>
-            <a:off x="5183188" y="987425"/>
+            <a:off x="5183188" y="987426"/>
             <a:ext cx="6172200" cy="4873625"/>
           </a:xfrm>
         </p:spPr>
@@ -3387,35 +3613,35 @@
               <a:buNone/>
               <a:defRPr sz="3200"/>
             </a:lvl1pPr>
-            <a:lvl2pPr marL="457200" indent="0">
+            <a:lvl2pPr marL="457206" indent="0">
               <a:buNone/>
               <a:defRPr sz="2800"/>
             </a:lvl2pPr>
-            <a:lvl3pPr marL="914400" indent="0">
+            <a:lvl3pPr marL="914411" indent="0">
               <a:buNone/>
               <a:defRPr sz="2400"/>
             </a:lvl3pPr>
-            <a:lvl4pPr marL="1371600" indent="0">
+            <a:lvl4pPr marL="1371617" indent="0">
               <a:buNone/>
               <a:defRPr sz="2000"/>
             </a:lvl4pPr>
-            <a:lvl5pPr marL="1828800" indent="0">
+            <a:lvl5pPr marL="1828823" indent="0">
               <a:buNone/>
               <a:defRPr sz="2000"/>
             </a:lvl5pPr>
-            <a:lvl6pPr marL="2286000" indent="0">
+            <a:lvl6pPr marL="2286029" indent="0">
               <a:buNone/>
               <a:defRPr sz="2000"/>
             </a:lvl6pPr>
-            <a:lvl7pPr marL="2743200" indent="0">
+            <a:lvl7pPr marL="2743234" indent="0">
               <a:buNone/>
               <a:defRPr sz="2000"/>
             </a:lvl7pPr>
-            <a:lvl8pPr marL="3200400" indent="0">
+            <a:lvl8pPr marL="3200440" indent="0">
               <a:buNone/>
               <a:defRPr sz="2000"/>
             </a:lvl8pPr>
-            <a:lvl9pPr marL="3657600" indent="0">
+            <a:lvl9pPr marL="3657646" indent="0">
               <a:buNone/>
               <a:defRPr sz="2000"/>
             </a:lvl9pPr>
@@ -3443,7 +3669,7 @@
         </p:nvSpPr>
         <p:spPr>
           <a:xfrm>
-            <a:off x="839788" y="2057400"/>
+            <a:off x="839789" y="2057400"/>
             <a:ext cx="3932237" cy="3811588"/>
           </a:xfrm>
         </p:spPr>
@@ -3454,35 +3680,35 @@
               <a:buNone/>
               <a:defRPr sz="1600"/>
             </a:lvl1pPr>
-            <a:lvl2pPr marL="457200" indent="0">
+            <a:lvl2pPr marL="457206" indent="0">
               <a:buNone/>
               <a:defRPr sz="1400"/>
             </a:lvl2pPr>
-            <a:lvl3pPr marL="914400" indent="0">
+            <a:lvl3pPr marL="914411" indent="0">
               <a:buNone/>
               <a:defRPr sz="1200"/>
             </a:lvl3pPr>
-            <a:lvl4pPr marL="1371600" indent="0">
+            <a:lvl4pPr marL="1371617" indent="0">
               <a:buNone/>
               <a:defRPr sz="1000"/>
             </a:lvl4pPr>
-            <a:lvl5pPr marL="1828800" indent="0">
+            <a:lvl5pPr marL="1828823" indent="0">
               <a:buNone/>
               <a:defRPr sz="1000"/>
             </a:lvl5pPr>
-            <a:lvl6pPr marL="2286000" indent="0">
+            <a:lvl6pPr marL="2286029" indent="0">
               <a:buNone/>
               <a:defRPr sz="1000"/>
             </a:lvl6pPr>
-            <a:lvl7pPr marL="2743200" indent="0">
+            <a:lvl7pPr marL="2743234" indent="0">
               <a:buNone/>
               <a:defRPr sz="1000"/>
             </a:lvl7pPr>
-            <a:lvl8pPr marL="3200400" indent="0">
+            <a:lvl8pPr marL="3200440" indent="0">
               <a:buNone/>
               <a:defRPr sz="1000"/>
             </a:lvl8pPr>
-            <a:lvl9pPr marL="3657600" indent="0">
+            <a:lvl9pPr marL="3657646" indent="0">
               <a:buNone/>
               <a:defRPr sz="1000"/>
             </a:lvl9pPr>
@@ -3632,7 +3858,7 @@
         </p:nvSpPr>
         <p:spPr>
           <a:xfrm>
-            <a:off x="838200" y="365125"/>
+            <a:off x="838200" y="365126"/>
             <a:ext cx="10515600" cy="1325563"/>
           </a:xfrm>
           <a:prstGeom prst="rect">
@@ -3737,7 +3963,7 @@
         </p:nvSpPr>
         <p:spPr>
           <a:xfrm>
-            <a:off x="838200" y="6356350"/>
+            <a:off x="838200" y="6356352"/>
             <a:ext cx="2743200" cy="365125"/>
           </a:xfrm>
           <a:prstGeom prst="rect">
@@ -3784,7 +4010,7 @@
         </p:nvSpPr>
         <p:spPr>
           <a:xfrm>
-            <a:off x="4038600" y="6356350"/>
+            <a:off x="4038600" y="6356352"/>
             <a:ext cx="4114800" cy="365125"/>
           </a:xfrm>
           <a:prstGeom prst="rect">
@@ -3827,7 +4053,7 @@
         </p:nvSpPr>
         <p:spPr>
           <a:xfrm>
-            <a:off x="8610600" y="6356350"/>
+            <a:off x="8610600" y="6356352"/>
             <a:ext cx="2743200" cy="365125"/>
           </a:xfrm>
           <a:prstGeom prst="rect">
@@ -3879,7 +4105,7 @@
   </p:sldLayoutIdLst>
   <p:txStyles>
     <p:titleStyle>
-      <a:lvl1pPr algn="l" defTabSz="914400" rtl="0" eaLnBrk="1" latinLnBrk="0" hangingPunct="1">
+      <a:lvl1pPr algn="l" defTabSz="914411" rtl="0" eaLnBrk="1" latinLnBrk="0" hangingPunct="1">
         <a:lnSpc>
           <a:spcPct val="90000"/>
         </a:lnSpc>
@@ -3898,7 +4124,7 @@
       </a:lvl1pPr>
     </p:titleStyle>
     <p:bodyStyle>
-      <a:lvl1pPr marL="228600" indent="-228600" algn="l" defTabSz="914400" rtl="0" eaLnBrk="1" latinLnBrk="0" hangingPunct="1">
+      <a:lvl1pPr marL="228603" indent="-228603" algn="l" defTabSz="914411" rtl="0" eaLnBrk="1" latinLnBrk="0" hangingPunct="1">
         <a:lnSpc>
           <a:spcPct val="90000"/>
         </a:lnSpc>
@@ -3916,7 +4142,7 @@
           <a:cs typeface="+mn-cs"/>
         </a:defRPr>
       </a:lvl1pPr>
-      <a:lvl2pPr marL="685800" indent="-228600" algn="l" defTabSz="914400" rtl="0" eaLnBrk="1" latinLnBrk="0" hangingPunct="1">
+      <a:lvl2pPr marL="685809" indent="-228603" algn="l" defTabSz="914411" rtl="0" eaLnBrk="1" latinLnBrk="0" hangingPunct="1">
         <a:lnSpc>
           <a:spcPct val="90000"/>
         </a:lnSpc>
@@ -3934,7 +4160,7 @@
           <a:cs typeface="+mn-cs"/>
         </a:defRPr>
       </a:lvl2pPr>
-      <a:lvl3pPr marL="1143000" indent="-228600" algn="l" defTabSz="914400" rtl="0" eaLnBrk="1" latinLnBrk="0" hangingPunct="1">
+      <a:lvl3pPr marL="1143014" indent="-228603" algn="l" defTabSz="914411" rtl="0" eaLnBrk="1" latinLnBrk="0" hangingPunct="1">
         <a:lnSpc>
           <a:spcPct val="90000"/>
         </a:lnSpc>
@@ -3952,7 +4178,7 @@
           <a:cs typeface="+mn-cs"/>
         </a:defRPr>
       </a:lvl3pPr>
-      <a:lvl4pPr marL="1600200" indent="-228600" algn="l" defTabSz="914400" rtl="0" eaLnBrk="1" latinLnBrk="0" hangingPunct="1">
+      <a:lvl4pPr marL="1600220" indent="-228603" algn="l" defTabSz="914411" rtl="0" eaLnBrk="1" latinLnBrk="0" hangingPunct="1">
         <a:lnSpc>
           <a:spcPct val="90000"/>
         </a:lnSpc>
@@ -3970,7 +4196,7 @@
           <a:cs typeface="+mn-cs"/>
         </a:defRPr>
       </a:lvl4pPr>
-      <a:lvl5pPr marL="2057400" indent="-228600" algn="l" defTabSz="914400" rtl="0" eaLnBrk="1" latinLnBrk="0" hangingPunct="1">
+      <a:lvl5pPr marL="2057426" indent="-228603" algn="l" defTabSz="914411" rtl="0" eaLnBrk="1" latinLnBrk="0" hangingPunct="1">
         <a:lnSpc>
           <a:spcPct val="90000"/>
         </a:lnSpc>
@@ -3988,7 +4214,7 @@
           <a:cs typeface="+mn-cs"/>
         </a:defRPr>
       </a:lvl5pPr>
-      <a:lvl6pPr marL="2514600" indent="-228600" algn="l" defTabSz="914400" rtl="0" eaLnBrk="1" latinLnBrk="0" hangingPunct="1">
+      <a:lvl6pPr marL="2514631" indent="-228603" algn="l" defTabSz="914411" rtl="0" eaLnBrk="1" latinLnBrk="0" hangingPunct="1">
         <a:lnSpc>
           <a:spcPct val="90000"/>
         </a:lnSpc>
@@ -4006,7 +4232,7 @@
           <a:cs typeface="+mn-cs"/>
         </a:defRPr>
       </a:lvl6pPr>
-      <a:lvl7pPr marL="2971800" indent="-228600" algn="l" defTabSz="914400" rtl="0" eaLnBrk="1" latinLnBrk="0" hangingPunct="1">
+      <a:lvl7pPr marL="2971837" indent="-228603" algn="l" defTabSz="914411" rtl="0" eaLnBrk="1" latinLnBrk="0" hangingPunct="1">
         <a:lnSpc>
           <a:spcPct val="90000"/>
         </a:lnSpc>
@@ -4024,7 +4250,7 @@
           <a:cs typeface="+mn-cs"/>
         </a:defRPr>
       </a:lvl7pPr>
-      <a:lvl8pPr marL="3429000" indent="-228600" algn="l" defTabSz="914400" rtl="0" eaLnBrk="1" latinLnBrk="0" hangingPunct="1">
+      <a:lvl8pPr marL="3429043" indent="-228603" algn="l" defTabSz="914411" rtl="0" eaLnBrk="1" latinLnBrk="0" hangingPunct="1">
         <a:lnSpc>
           <a:spcPct val="90000"/>
         </a:lnSpc>
@@ -4042,7 +4268,7 @@
           <a:cs typeface="+mn-cs"/>
         </a:defRPr>
       </a:lvl8pPr>
-      <a:lvl9pPr marL="3886200" indent="-228600" algn="l" defTabSz="914400" rtl="0" eaLnBrk="1" latinLnBrk="0" hangingPunct="1">
+      <a:lvl9pPr marL="3886249" indent="-228603" algn="l" defTabSz="914411" rtl="0" eaLnBrk="1" latinLnBrk="0" hangingPunct="1">
         <a:lnSpc>
           <a:spcPct val="90000"/>
         </a:lnSpc>
@@ -4065,7 +4291,7 @@
       <a:defPPr>
         <a:defRPr lang="en-US"/>
       </a:defPPr>
-      <a:lvl1pPr marL="0" algn="l" defTabSz="914400" rtl="0" eaLnBrk="1" latinLnBrk="0" hangingPunct="1">
+      <a:lvl1pPr marL="0" algn="l" defTabSz="914411" rtl="0" eaLnBrk="1" latinLnBrk="0" hangingPunct="1">
         <a:defRPr sz="1800" kern="1200">
           <a:solidFill>
             <a:schemeClr val="tx1"/>
@@ -4075,7 +4301,7 @@
           <a:cs typeface="+mn-cs"/>
         </a:defRPr>
       </a:lvl1pPr>
-      <a:lvl2pPr marL="457200" algn="l" defTabSz="914400" rtl="0" eaLnBrk="1" latinLnBrk="0" hangingPunct="1">
+      <a:lvl2pPr marL="457206" algn="l" defTabSz="914411" rtl="0" eaLnBrk="1" latinLnBrk="0" hangingPunct="1">
         <a:defRPr sz="1800" kern="1200">
           <a:solidFill>
             <a:schemeClr val="tx1"/>
@@ -4085,7 +4311,7 @@
           <a:cs typeface="+mn-cs"/>
         </a:defRPr>
       </a:lvl2pPr>
-      <a:lvl3pPr marL="914400" algn="l" defTabSz="914400" rtl="0" eaLnBrk="1" latinLnBrk="0" hangingPunct="1">
+      <a:lvl3pPr marL="914411" algn="l" defTabSz="914411" rtl="0" eaLnBrk="1" latinLnBrk="0" hangingPunct="1">
         <a:defRPr sz="1800" kern="1200">
           <a:solidFill>
             <a:schemeClr val="tx1"/>
@@ -4095,7 +4321,7 @@
           <a:cs typeface="+mn-cs"/>
         </a:defRPr>
       </a:lvl3pPr>
-      <a:lvl4pPr marL="1371600" algn="l" defTabSz="914400" rtl="0" eaLnBrk="1" latinLnBrk="0" hangingPunct="1">
+      <a:lvl4pPr marL="1371617" algn="l" defTabSz="914411" rtl="0" eaLnBrk="1" latinLnBrk="0" hangingPunct="1">
         <a:defRPr sz="1800" kern="1200">
           <a:solidFill>
             <a:schemeClr val="tx1"/>
@@ -4105,7 +4331,7 @@
           <a:cs typeface="+mn-cs"/>
         </a:defRPr>
       </a:lvl4pPr>
-      <a:lvl5pPr marL="1828800" algn="l" defTabSz="914400" rtl="0" eaLnBrk="1" latinLnBrk="0" hangingPunct="1">
+      <a:lvl5pPr marL="1828823" algn="l" defTabSz="914411" rtl="0" eaLnBrk="1" latinLnBrk="0" hangingPunct="1">
         <a:defRPr sz="1800" kern="1200">
           <a:solidFill>
             <a:schemeClr val="tx1"/>
@@ -4115,7 +4341,7 @@
           <a:cs typeface="+mn-cs"/>
         </a:defRPr>
       </a:lvl5pPr>
-      <a:lvl6pPr marL="2286000" algn="l" defTabSz="914400" rtl="0" eaLnBrk="1" latinLnBrk="0" hangingPunct="1">
+      <a:lvl6pPr marL="2286029" algn="l" defTabSz="914411" rtl="0" eaLnBrk="1" latinLnBrk="0" hangingPunct="1">
         <a:defRPr sz="1800" kern="1200">
           <a:solidFill>
             <a:schemeClr val="tx1"/>
@@ -4125,7 +4351,7 @@
           <a:cs typeface="+mn-cs"/>
         </a:defRPr>
       </a:lvl6pPr>
-      <a:lvl7pPr marL="2743200" algn="l" defTabSz="914400" rtl="0" eaLnBrk="1" latinLnBrk="0" hangingPunct="1">
+      <a:lvl7pPr marL="2743234" algn="l" defTabSz="914411" rtl="0" eaLnBrk="1" latinLnBrk="0" hangingPunct="1">
         <a:defRPr sz="1800" kern="1200">
           <a:solidFill>
             <a:schemeClr val="tx1"/>
@@ -4135,7 +4361,7 @@
           <a:cs typeface="+mn-cs"/>
         </a:defRPr>
       </a:lvl7pPr>
-      <a:lvl8pPr marL="3200400" algn="l" defTabSz="914400" rtl="0" eaLnBrk="1" latinLnBrk="0" hangingPunct="1">
+      <a:lvl8pPr marL="3200440" algn="l" defTabSz="914411" rtl="0" eaLnBrk="1" latinLnBrk="0" hangingPunct="1">
         <a:defRPr sz="1800" kern="1200">
           <a:solidFill>
             <a:schemeClr val="tx1"/>
@@ -4145,7 +4371,7 @@
           <a:cs typeface="+mn-cs"/>
         </a:defRPr>
       </a:lvl8pPr>
-      <a:lvl9pPr marL="3657600" algn="l" defTabSz="914400" rtl="0" eaLnBrk="1" latinLnBrk="0" hangingPunct="1">
+      <a:lvl9pPr marL="3657646" algn="l" defTabSz="914411" rtl="0" eaLnBrk="1" latinLnBrk="0" hangingPunct="1">
         <a:defRPr sz="1800" kern="1200">
           <a:solidFill>
             <a:schemeClr val="tx1"/>
@@ -4187,40 +4413,10 @@
       </p:grpSpPr>
       <p:pic>
         <p:nvPicPr>
-          <p:cNvPr id="27" name="Picture 26">
-            <a:extLst>
-              <a:ext uri="{FF2B5EF4-FFF2-40B4-BE49-F238E27FC236}">
-                <a16:creationId xmlns:a16="http://schemas.microsoft.com/office/drawing/2014/main" id="{00E5372F-5018-F6C5-CE32-109C7CD71F28}"/>
-              </a:ext>
-            </a:extLst>
-          </p:cNvPr>
-          <p:cNvPicPr>
-            <a:picLocks noChangeAspect="1"/>
-          </p:cNvPicPr>
-          <p:nvPr/>
-        </p:nvPicPr>
-        <p:blipFill>
-          <a:blip r:embed="rId2"/>
-          <a:stretch>
-            <a:fillRect/>
-          </a:stretch>
-        </p:blipFill>
-        <p:spPr>
-          <a:xfrm>
-            <a:off x="1372052" y="643467"/>
-            <a:ext cx="4238695" cy="2543217"/>
-          </a:xfrm>
-          <a:prstGeom prst="rect">
-            <a:avLst/>
-          </a:prstGeom>
-        </p:spPr>
-      </p:pic>
-      <p:pic>
-        <p:nvPicPr>
-          <p:cNvPr id="11" name="Picture 10">
-            <a:extLst>
-              <a:ext uri="{FF2B5EF4-FFF2-40B4-BE49-F238E27FC236}">
-                <a16:creationId xmlns:a16="http://schemas.microsoft.com/office/drawing/2014/main" id="{7B65CC16-B1E0-0988-B26A-7AF58A953835}"/>
+          <p:cNvPr id="8" name="Picture 7">
+            <a:extLst>
+              <a:ext uri="{FF2B5EF4-FFF2-40B4-BE49-F238E27FC236}">
+                <a16:creationId xmlns:a16="http://schemas.microsoft.com/office/drawing/2014/main" id="{AB1B23DB-8605-3513-0533-F77E894F697E}"/>
               </a:ext>
             </a:extLst>
           </p:cNvPr>
@@ -4237,8 +4433,8 @@
         </p:blipFill>
         <p:spPr>
           <a:xfrm>
-            <a:off x="6585438" y="643467"/>
-            <a:ext cx="4238695" cy="2543217"/>
+            <a:off x="749609" y="321734"/>
+            <a:ext cx="4841950" cy="2905170"/>
           </a:xfrm>
           <a:prstGeom prst="rect">
             <a:avLst/>
@@ -4247,10 +4443,10 @@
       </p:pic>
       <p:pic>
         <p:nvPicPr>
-          <p:cNvPr id="3" name="Picture 2">
-            <a:extLst>
-              <a:ext uri="{FF2B5EF4-FFF2-40B4-BE49-F238E27FC236}">
-                <a16:creationId xmlns:a16="http://schemas.microsoft.com/office/drawing/2014/main" id="{7AFF0F0F-C119-1072-8056-8F0B16FC2F39}"/>
+          <p:cNvPr id="4" name="Picture 3">
+            <a:extLst>
+              <a:ext uri="{FF2B5EF4-FFF2-40B4-BE49-F238E27FC236}">
+                <a16:creationId xmlns:a16="http://schemas.microsoft.com/office/drawing/2014/main" id="{6D80B444-2764-9C2E-6B86-DC6C2BD50937}"/>
               </a:ext>
             </a:extLst>
           </p:cNvPr>
@@ -4267,8 +4463,8 @@
         </p:blipFill>
         <p:spPr>
           <a:xfrm>
-            <a:off x="1369848" y="3671316"/>
-            <a:ext cx="4243103" cy="2545862"/>
+            <a:off x="6443356" y="321734"/>
+            <a:ext cx="4841950" cy="2905170"/>
           </a:xfrm>
           <a:prstGeom prst="rect">
             <a:avLst/>
@@ -4277,10 +4473,10 @@
       </p:pic>
       <p:pic>
         <p:nvPicPr>
-          <p:cNvPr id="13" name="Picture 12">
-            <a:extLst>
-              <a:ext uri="{FF2B5EF4-FFF2-40B4-BE49-F238E27FC236}">
-                <a16:creationId xmlns:a16="http://schemas.microsoft.com/office/drawing/2014/main" id="{E338F6D2-2341-E95F-DDB1-F783211E57D3}"/>
+          <p:cNvPr id="10" name="Picture 9">
+            <a:extLst>
+              <a:ext uri="{FF2B5EF4-FFF2-40B4-BE49-F238E27FC236}">
+                <a16:creationId xmlns:a16="http://schemas.microsoft.com/office/drawing/2014/main" id="{83ACCA33-1727-B105-E514-99E839283CDC}"/>
               </a:ext>
             </a:extLst>
           </p:cNvPr>
@@ -4297,8 +4493,38 @@
         </p:blipFill>
         <p:spPr>
           <a:xfrm>
-            <a:off x="6576895" y="3671316"/>
-            <a:ext cx="4255781" cy="2553469"/>
+            <a:off x="870116" y="3631096"/>
+            <a:ext cx="4600933" cy="2760560"/>
+          </a:xfrm>
+          <a:prstGeom prst="rect">
+            <a:avLst/>
+          </a:prstGeom>
+        </p:spPr>
+      </p:pic>
+      <p:pic>
+        <p:nvPicPr>
+          <p:cNvPr id="6" name="Picture 5">
+            <a:extLst>
+              <a:ext uri="{FF2B5EF4-FFF2-40B4-BE49-F238E27FC236}">
+                <a16:creationId xmlns:a16="http://schemas.microsoft.com/office/drawing/2014/main" id="{1BC97D0C-D95E-ED3E-B5F4-3466925344EE}"/>
+              </a:ext>
+            </a:extLst>
+          </p:cNvPr>
+          <p:cNvPicPr>
+            <a:picLocks noChangeAspect="1"/>
+          </p:cNvPicPr>
+          <p:nvPr/>
+        </p:nvPicPr>
+        <p:blipFill>
+          <a:blip r:embed="rId6"/>
+          <a:stretch>
+            <a:fillRect/>
+          </a:stretch>
+        </p:blipFill>
+        <p:spPr>
+          <a:xfrm>
+            <a:off x="6563865" y="3631096"/>
+            <a:ext cx="4600933" cy="2760560"/>
           </a:xfrm>
           <a:prstGeom prst="rect">
             <a:avLst/>
@@ -4373,72 +4599,6 @@
           </a:prstGeom>
         </p:spPr>
       </p:pic>
-      <p:sp>
-        <p:nvSpPr>
-          <p:cNvPr id="16" name="Rectangle 15">
-            <a:extLst>
-              <a:ext uri="{FF2B5EF4-FFF2-40B4-BE49-F238E27FC236}">
-                <a16:creationId xmlns:a16="http://schemas.microsoft.com/office/drawing/2014/main" id="{417CDA24-35F8-4540-8C52-3096D6D94949}"/>
-              </a:ext>
-              <a:ext uri="{C183D7F6-B498-43B3-948B-1728B52AA6E4}">
-                <adec:decorative xmlns:adec="http://schemas.microsoft.com/office/drawing/2017/decorative" val="1"/>
-              </a:ext>
-            </a:extLst>
-          </p:cNvPr>
-          <p:cNvSpPr>
-            <a:spLocks noGrp="1" noRot="1" noChangeAspect="1" noMove="1" noResize="1" noEditPoints="1" noAdjustHandles="1" noChangeArrowheads="1" noChangeShapeType="1" noTextEdit="1"/>
-          </p:cNvSpPr>
-          <p:nvPr>
-            <p:extLst>
-              <p:ext uri="{386F3935-93C4-4BCD-93E2-E3B085C9AB24}">
-                <p16:designElem xmlns:p16="http://schemas.microsoft.com/office/powerpoint/2015/main" val="1"/>
-              </p:ext>
-            </p:extLst>
-          </p:nvPr>
-        </p:nvSpPr>
-        <p:spPr>
-          <a:xfrm>
-            <a:off x="6050280" y="0"/>
-            <a:ext cx="91440" cy="6858000"/>
-          </a:xfrm>
-          <a:prstGeom prst="rect">
-            <a:avLst/>
-          </a:prstGeom>
-          <a:solidFill>
-            <a:schemeClr val="tx1">
-              <a:lumMod val="75000"/>
-              <a:lumOff val="25000"/>
-            </a:schemeClr>
-          </a:solidFill>
-          <a:ln>
-            <a:noFill/>
-          </a:ln>
-        </p:spPr>
-        <p:style>
-          <a:lnRef idx="2">
-            <a:schemeClr val="accent1">
-              <a:shade val="50000"/>
-            </a:schemeClr>
-          </a:lnRef>
-          <a:fillRef idx="1">
-            <a:schemeClr val="accent1"/>
-          </a:fillRef>
-          <a:effectRef idx="0">
-            <a:schemeClr val="accent1"/>
-          </a:effectRef>
-          <a:fontRef idx="minor">
-            <a:schemeClr val="lt1"/>
-          </a:fontRef>
-        </p:style>
-        <p:txBody>
-          <a:bodyPr rtlCol="0" anchor="ctr"/>
-          <a:lstStyle/>
-          <a:p>
-            <a:pPr algn="ctr"/>
-            <a:endParaRPr lang="en-US"/>
-          </a:p>
-        </p:txBody>
-      </p:sp>
       <p:pic>
         <p:nvPicPr>
           <p:cNvPr id="9" name="Picture 8">
@@ -4469,138 +4629,6 @@
           </a:prstGeom>
         </p:spPr>
       </p:pic>
-      <p:sp>
-        <p:nvSpPr>
-          <p:cNvPr id="18" name="Rectangle 17">
-            <a:extLst>
-              <a:ext uri="{FF2B5EF4-FFF2-40B4-BE49-F238E27FC236}">
-                <a16:creationId xmlns:a16="http://schemas.microsoft.com/office/drawing/2014/main" id="{8658BFE0-4E65-4174-9C75-687C94E88273}"/>
-              </a:ext>
-              <a:ext uri="{C183D7F6-B498-43B3-948B-1728B52AA6E4}">
-                <adec:decorative xmlns:adec="http://schemas.microsoft.com/office/drawing/2017/decorative" val="1"/>
-              </a:ext>
-            </a:extLst>
-          </p:cNvPr>
-          <p:cNvSpPr>
-            <a:spLocks noGrp="1" noRot="1" noChangeAspect="1" noMove="1" noResize="1" noEditPoints="1" noAdjustHandles="1" noChangeArrowheads="1" noChangeShapeType="1" noTextEdit="1"/>
-          </p:cNvSpPr>
-          <p:nvPr>
-            <p:extLst>
-              <p:ext uri="{386F3935-93C4-4BCD-93E2-E3B085C9AB24}">
-                <p16:designElem xmlns:p16="http://schemas.microsoft.com/office/powerpoint/2015/main" val="1"/>
-              </p:ext>
-            </p:extLst>
-          </p:nvPr>
-        </p:nvSpPr>
-        <p:spPr>
-          <a:xfrm>
-            <a:off x="0" y="3383280"/>
-            <a:ext cx="6126480" cy="91440"/>
-          </a:xfrm>
-          <a:prstGeom prst="rect">
-            <a:avLst/>
-          </a:prstGeom>
-          <a:solidFill>
-            <a:schemeClr val="tx1">
-              <a:lumMod val="75000"/>
-              <a:lumOff val="25000"/>
-            </a:schemeClr>
-          </a:solidFill>
-          <a:ln>
-            <a:noFill/>
-          </a:ln>
-        </p:spPr>
-        <p:style>
-          <a:lnRef idx="2">
-            <a:schemeClr val="accent1">
-              <a:shade val="50000"/>
-            </a:schemeClr>
-          </a:lnRef>
-          <a:fillRef idx="1">
-            <a:schemeClr val="accent1"/>
-          </a:fillRef>
-          <a:effectRef idx="0">
-            <a:schemeClr val="accent1"/>
-          </a:effectRef>
-          <a:fontRef idx="minor">
-            <a:schemeClr val="lt1"/>
-          </a:fontRef>
-        </p:style>
-        <p:txBody>
-          <a:bodyPr rtlCol="0" anchor="ctr"/>
-          <a:lstStyle/>
-          <a:p>
-            <a:pPr algn="ctr"/>
-            <a:endParaRPr lang="en-US"/>
-          </a:p>
-        </p:txBody>
-      </p:sp>
-      <p:sp>
-        <p:nvSpPr>
-          <p:cNvPr id="20" name="Rectangle 19">
-            <a:extLst>
-              <a:ext uri="{FF2B5EF4-FFF2-40B4-BE49-F238E27FC236}">
-                <a16:creationId xmlns:a16="http://schemas.microsoft.com/office/drawing/2014/main" id="{FA75DFED-A0C1-4A83-BE1D-0271C1826EF6}"/>
-              </a:ext>
-              <a:ext uri="{C183D7F6-B498-43B3-948B-1728B52AA6E4}">
-                <adec:decorative xmlns:adec="http://schemas.microsoft.com/office/drawing/2017/decorative" val="1"/>
-              </a:ext>
-            </a:extLst>
-          </p:cNvPr>
-          <p:cNvSpPr>
-            <a:spLocks noGrp="1" noRot="1" noChangeAspect="1" noMove="1" noResize="1" noEditPoints="1" noAdjustHandles="1" noChangeArrowheads="1" noChangeShapeType="1" noTextEdit="1"/>
-          </p:cNvSpPr>
-          <p:nvPr>
-            <p:extLst>
-              <p:ext uri="{386F3935-93C4-4BCD-93E2-E3B085C9AB24}">
-                <p16:designElem xmlns:p16="http://schemas.microsoft.com/office/powerpoint/2015/main" val="1"/>
-              </p:ext>
-            </p:extLst>
-          </p:nvPr>
-        </p:nvSpPr>
-        <p:spPr>
-          <a:xfrm>
-            <a:off x="6065520" y="3383280"/>
-            <a:ext cx="6126480" cy="91440"/>
-          </a:xfrm>
-          <a:prstGeom prst="rect">
-            <a:avLst/>
-          </a:prstGeom>
-          <a:solidFill>
-            <a:schemeClr val="tx1">
-              <a:lumMod val="75000"/>
-              <a:lumOff val="25000"/>
-            </a:schemeClr>
-          </a:solidFill>
-          <a:ln>
-            <a:noFill/>
-          </a:ln>
-        </p:spPr>
-        <p:style>
-          <a:lnRef idx="2">
-            <a:schemeClr val="accent1">
-              <a:shade val="50000"/>
-            </a:schemeClr>
-          </a:lnRef>
-          <a:fillRef idx="1">
-            <a:schemeClr val="accent1"/>
-          </a:fillRef>
-          <a:effectRef idx="0">
-            <a:schemeClr val="accent1"/>
-          </a:effectRef>
-          <a:fontRef idx="minor">
-            <a:schemeClr val="lt1"/>
-          </a:fontRef>
-        </p:style>
-        <p:txBody>
-          <a:bodyPr rtlCol="0" anchor="ctr"/>
-          <a:lstStyle/>
-          <a:p>
-            <a:pPr algn="ctr"/>
-            <a:endParaRPr lang="en-US"/>
-          </a:p>
-        </p:txBody>
-      </p:sp>
       <p:pic>
         <p:nvPicPr>
           <p:cNvPr id="5" name="Picture 4">
@@ -4623,7 +4651,7 @@
         </p:blipFill>
         <p:spPr>
           <a:xfrm>
-            <a:off x="870116" y="3631096"/>
+            <a:off x="870117" y="3631096"/>
             <a:ext cx="4600933" cy="2760560"/>
           </a:xfrm>
           <a:prstGeom prst="rect">
@@ -4653,7 +4681,7 @@
         </p:blipFill>
         <p:spPr>
           <a:xfrm>
-            <a:off x="6563865" y="3631096"/>
+            <a:off x="6563866" y="3631096"/>
             <a:ext cx="4600933" cy="2760560"/>
           </a:xfrm>
           <a:prstGeom prst="rect">
@@ -4661,6 +4689,146 @@
           </a:prstGeom>
         </p:spPr>
       </p:pic>
+      <p:sp>
+        <p:nvSpPr>
+          <p:cNvPr id="2" name="TextBox 1">
+            <a:extLst>
+              <a:ext uri="{FF2B5EF4-FFF2-40B4-BE49-F238E27FC236}">
+                <a16:creationId xmlns:a16="http://schemas.microsoft.com/office/drawing/2014/main" id="{D49BF854-78E7-DEB8-70D9-FB29F10857C6}"/>
+              </a:ext>
+            </a:extLst>
+          </p:cNvPr>
+          <p:cNvSpPr txBox="1"/>
+          <p:nvPr/>
+        </p:nvSpPr>
+        <p:spPr>
+          <a:xfrm>
+            <a:off x="423572" y="281678"/>
+            <a:ext cx="652073" cy="369332"/>
+          </a:xfrm>
+          <a:prstGeom prst="rect">
+            <a:avLst/>
+          </a:prstGeom>
+          <a:noFill/>
+        </p:spPr>
+        <p:txBody>
+          <a:bodyPr wrap="square" rtlCol="0">
+            <a:spAutoFit/>
+          </a:bodyPr>
+          <a:lstStyle/>
+          <a:p>
+            <a:r>
+              <a:rPr lang="en-US" dirty="0"/>
+              <a:t>A.</a:t>
+            </a:r>
+          </a:p>
+        </p:txBody>
+      </p:sp>
+      <p:sp>
+        <p:nvSpPr>
+          <p:cNvPr id="3" name="TextBox 2">
+            <a:extLst>
+              <a:ext uri="{FF2B5EF4-FFF2-40B4-BE49-F238E27FC236}">
+                <a16:creationId xmlns:a16="http://schemas.microsoft.com/office/drawing/2014/main" id="{5CD8066D-B5D2-286C-FAD1-ADC5E0458DEE}"/>
+              </a:ext>
+            </a:extLst>
+          </p:cNvPr>
+          <p:cNvSpPr txBox="1"/>
+          <p:nvPr/>
+        </p:nvSpPr>
+        <p:spPr>
+          <a:xfrm>
+            <a:off x="6117319" y="281678"/>
+            <a:ext cx="652073" cy="369332"/>
+          </a:xfrm>
+          <a:prstGeom prst="rect">
+            <a:avLst/>
+          </a:prstGeom>
+          <a:noFill/>
+        </p:spPr>
+        <p:txBody>
+          <a:bodyPr wrap="square" rtlCol="0">
+            <a:spAutoFit/>
+          </a:bodyPr>
+          <a:lstStyle/>
+          <a:p>
+            <a:r>
+              <a:rPr lang="en-US" dirty="0"/>
+              <a:t>B.</a:t>
+            </a:r>
+          </a:p>
+        </p:txBody>
+      </p:sp>
+      <p:sp>
+        <p:nvSpPr>
+          <p:cNvPr id="4" name="TextBox 3">
+            <a:extLst>
+              <a:ext uri="{FF2B5EF4-FFF2-40B4-BE49-F238E27FC236}">
+                <a16:creationId xmlns:a16="http://schemas.microsoft.com/office/drawing/2014/main" id="{9B11611C-7D12-2D08-DA20-454096EAA40E}"/>
+              </a:ext>
+            </a:extLst>
+          </p:cNvPr>
+          <p:cNvSpPr txBox="1"/>
+          <p:nvPr/>
+        </p:nvSpPr>
+        <p:spPr>
+          <a:xfrm>
+            <a:off x="423572" y="3631096"/>
+            <a:ext cx="652073" cy="369332"/>
+          </a:xfrm>
+          <a:prstGeom prst="rect">
+            <a:avLst/>
+          </a:prstGeom>
+          <a:noFill/>
+        </p:spPr>
+        <p:txBody>
+          <a:bodyPr wrap="square" rtlCol="0">
+            <a:spAutoFit/>
+          </a:bodyPr>
+          <a:lstStyle/>
+          <a:p>
+            <a:r>
+              <a:rPr lang="en-US" dirty="0"/>
+              <a:t>C.</a:t>
+            </a:r>
+          </a:p>
+        </p:txBody>
+      </p:sp>
+      <p:sp>
+        <p:nvSpPr>
+          <p:cNvPr id="6" name="TextBox 5">
+            <a:extLst>
+              <a:ext uri="{FF2B5EF4-FFF2-40B4-BE49-F238E27FC236}">
+                <a16:creationId xmlns:a16="http://schemas.microsoft.com/office/drawing/2014/main" id="{E4F49B2D-B532-E483-FE0C-F15EE5EB2EE8}"/>
+              </a:ext>
+            </a:extLst>
+          </p:cNvPr>
+          <p:cNvSpPr txBox="1"/>
+          <p:nvPr/>
+        </p:nvSpPr>
+        <p:spPr>
+          <a:xfrm>
+            <a:off x="6117319" y="3631096"/>
+            <a:ext cx="652073" cy="369332"/>
+          </a:xfrm>
+          <a:prstGeom prst="rect">
+            <a:avLst/>
+          </a:prstGeom>
+          <a:noFill/>
+        </p:spPr>
+        <p:txBody>
+          <a:bodyPr wrap="square" rtlCol="0">
+            <a:spAutoFit/>
+          </a:bodyPr>
+          <a:lstStyle/>
+          <a:p>
+            <a:r>
+              <a:rPr lang="en-US" dirty="0"/>
+              <a:t>D.</a:t>
+            </a:r>
+          </a:p>
+        </p:txBody>
+      </p:sp>
     </p:spTree>
     <p:extLst>
       <p:ext uri="{BB962C8B-B14F-4D97-AF65-F5344CB8AC3E}">
@@ -4675,6 +4843,310 @@
 </file>
 
 <file path=ppt/slides/slide3.xml><?xml version="1.0" encoding="utf-8"?>
+<p:sld xmlns:a="http://schemas.openxmlformats.org/drawingml/2006/main" xmlns:r="http://schemas.openxmlformats.org/officeDocument/2006/relationships" xmlns:p="http://schemas.openxmlformats.org/presentationml/2006/main">
+  <p:cSld>
+    <p:bg>
+      <p:bgPr>
+        <a:solidFill>
+          <a:schemeClr val="bg1"/>
+        </a:solidFill>
+        <a:effectLst/>
+      </p:bgPr>
+    </p:bg>
+    <p:spTree>
+      <p:nvGrpSpPr>
+        <p:cNvPr id="1" name="">
+          <a:extLst>
+            <a:ext uri="{FF2B5EF4-FFF2-40B4-BE49-F238E27FC236}">
+              <a16:creationId xmlns:a16="http://schemas.microsoft.com/office/drawing/2014/main" id="{2C61C871-39D4-F22B-DF95-1B3DD6742F42}"/>
+            </a:ext>
+          </a:extLst>
+        </p:cNvPr>
+        <p:cNvGrpSpPr/>
+        <p:nvPr/>
+      </p:nvGrpSpPr>
+      <p:grpSpPr>
+        <a:xfrm>
+          <a:off x="0" y="0"/>
+          <a:ext cx="0" cy="0"/>
+          <a:chOff x="0" y="0"/>
+          <a:chExt cx="0" cy="0"/>
+        </a:xfrm>
+      </p:grpSpPr>
+      <p:pic>
+        <p:nvPicPr>
+          <p:cNvPr id="11" name="Picture 10">
+            <a:extLst>
+              <a:ext uri="{FF2B5EF4-FFF2-40B4-BE49-F238E27FC236}">
+                <a16:creationId xmlns:a16="http://schemas.microsoft.com/office/drawing/2014/main" id="{51690757-CF9B-7250-07F8-D16BB8299EC7}"/>
+              </a:ext>
+            </a:extLst>
+          </p:cNvPr>
+          <p:cNvPicPr>
+            <a:picLocks noChangeAspect="1"/>
+          </p:cNvPicPr>
+          <p:nvPr/>
+        </p:nvPicPr>
+        <p:blipFill>
+          <a:blip r:embed="rId3"/>
+          <a:stretch>
+            <a:fillRect/>
+          </a:stretch>
+        </p:blipFill>
+        <p:spPr>
+          <a:xfrm>
+            <a:off x="749609" y="321734"/>
+            <a:ext cx="4841950" cy="2905170"/>
+          </a:xfrm>
+          <a:prstGeom prst="rect">
+            <a:avLst/>
+          </a:prstGeom>
+        </p:spPr>
+      </p:pic>
+      <p:pic>
+        <p:nvPicPr>
+          <p:cNvPr id="9" name="Picture 8">
+            <a:extLst>
+              <a:ext uri="{FF2B5EF4-FFF2-40B4-BE49-F238E27FC236}">
+                <a16:creationId xmlns:a16="http://schemas.microsoft.com/office/drawing/2014/main" id="{990F6974-35EF-78CF-4406-B71903F1A948}"/>
+              </a:ext>
+            </a:extLst>
+          </p:cNvPr>
+          <p:cNvPicPr>
+            <a:picLocks noChangeAspect="1"/>
+          </p:cNvPicPr>
+          <p:nvPr/>
+        </p:nvPicPr>
+        <p:blipFill>
+          <a:blip r:embed="rId4"/>
+          <a:stretch>
+            <a:fillRect/>
+          </a:stretch>
+        </p:blipFill>
+        <p:spPr>
+          <a:xfrm>
+            <a:off x="6443356" y="321734"/>
+            <a:ext cx="4841950" cy="2905170"/>
+          </a:xfrm>
+          <a:prstGeom prst="rect">
+            <a:avLst/>
+          </a:prstGeom>
+        </p:spPr>
+      </p:pic>
+      <p:pic>
+        <p:nvPicPr>
+          <p:cNvPr id="5" name="Picture 4">
+            <a:extLst>
+              <a:ext uri="{FF2B5EF4-FFF2-40B4-BE49-F238E27FC236}">
+                <a16:creationId xmlns:a16="http://schemas.microsoft.com/office/drawing/2014/main" id="{277849E3-B510-D616-4851-63D412EAF529}"/>
+              </a:ext>
+            </a:extLst>
+          </p:cNvPr>
+          <p:cNvPicPr>
+            <a:picLocks noChangeAspect="1"/>
+          </p:cNvPicPr>
+          <p:nvPr/>
+        </p:nvPicPr>
+        <p:blipFill>
+          <a:blip r:embed="rId5"/>
+          <a:stretch>
+            <a:fillRect/>
+          </a:stretch>
+        </p:blipFill>
+        <p:spPr>
+          <a:xfrm>
+            <a:off x="870117" y="3631096"/>
+            <a:ext cx="4600933" cy="2760560"/>
+          </a:xfrm>
+          <a:prstGeom prst="rect">
+            <a:avLst/>
+          </a:prstGeom>
+        </p:spPr>
+      </p:pic>
+      <p:sp>
+        <p:nvSpPr>
+          <p:cNvPr id="12" name="TextBox 11">
+            <a:extLst>
+              <a:ext uri="{FF2B5EF4-FFF2-40B4-BE49-F238E27FC236}">
+                <a16:creationId xmlns:a16="http://schemas.microsoft.com/office/drawing/2014/main" id="{BAE4C928-1AA3-B802-2D01-1AFD021B037C}"/>
+              </a:ext>
+            </a:extLst>
+          </p:cNvPr>
+          <p:cNvSpPr txBox="1"/>
+          <p:nvPr/>
+        </p:nvSpPr>
+        <p:spPr>
+          <a:xfrm>
+            <a:off x="423572" y="281678"/>
+            <a:ext cx="652073" cy="369332"/>
+          </a:xfrm>
+          <a:prstGeom prst="rect">
+            <a:avLst/>
+          </a:prstGeom>
+          <a:noFill/>
+        </p:spPr>
+        <p:txBody>
+          <a:bodyPr wrap="square" rtlCol="0">
+            <a:spAutoFit/>
+          </a:bodyPr>
+          <a:lstStyle/>
+          <a:p>
+            <a:r>
+              <a:rPr lang="en-US" dirty="0"/>
+              <a:t>A.</a:t>
+            </a:r>
+          </a:p>
+        </p:txBody>
+      </p:sp>
+      <p:sp>
+        <p:nvSpPr>
+          <p:cNvPr id="13" name="TextBox 12">
+            <a:extLst>
+              <a:ext uri="{FF2B5EF4-FFF2-40B4-BE49-F238E27FC236}">
+                <a16:creationId xmlns:a16="http://schemas.microsoft.com/office/drawing/2014/main" id="{D38BF4DC-2A0F-393B-CEB5-26CC299CDB2E}"/>
+              </a:ext>
+            </a:extLst>
+          </p:cNvPr>
+          <p:cNvSpPr txBox="1"/>
+          <p:nvPr/>
+        </p:nvSpPr>
+        <p:spPr>
+          <a:xfrm>
+            <a:off x="6117319" y="281678"/>
+            <a:ext cx="652073" cy="369332"/>
+          </a:xfrm>
+          <a:prstGeom prst="rect">
+            <a:avLst/>
+          </a:prstGeom>
+          <a:noFill/>
+        </p:spPr>
+        <p:txBody>
+          <a:bodyPr wrap="square" rtlCol="0">
+            <a:spAutoFit/>
+          </a:bodyPr>
+          <a:lstStyle/>
+          <a:p>
+            <a:r>
+              <a:rPr lang="en-US" dirty="0"/>
+              <a:t>B.</a:t>
+            </a:r>
+          </a:p>
+        </p:txBody>
+      </p:sp>
+      <p:sp>
+        <p:nvSpPr>
+          <p:cNvPr id="14" name="TextBox 13">
+            <a:extLst>
+              <a:ext uri="{FF2B5EF4-FFF2-40B4-BE49-F238E27FC236}">
+                <a16:creationId xmlns:a16="http://schemas.microsoft.com/office/drawing/2014/main" id="{54F18042-1E17-E70E-95DA-717EC52CCF80}"/>
+              </a:ext>
+            </a:extLst>
+          </p:cNvPr>
+          <p:cNvSpPr txBox="1"/>
+          <p:nvPr/>
+        </p:nvSpPr>
+        <p:spPr>
+          <a:xfrm>
+            <a:off x="423572" y="3631096"/>
+            <a:ext cx="652073" cy="369332"/>
+          </a:xfrm>
+          <a:prstGeom prst="rect">
+            <a:avLst/>
+          </a:prstGeom>
+          <a:noFill/>
+        </p:spPr>
+        <p:txBody>
+          <a:bodyPr wrap="square" rtlCol="0">
+            <a:spAutoFit/>
+          </a:bodyPr>
+          <a:lstStyle/>
+          <a:p>
+            <a:r>
+              <a:rPr lang="en-US" dirty="0"/>
+              <a:t>C.</a:t>
+            </a:r>
+          </a:p>
+        </p:txBody>
+      </p:sp>
+      <p:pic>
+        <p:nvPicPr>
+          <p:cNvPr id="3" name="Picture 2">
+            <a:extLst>
+              <a:ext uri="{FF2B5EF4-FFF2-40B4-BE49-F238E27FC236}">
+                <a16:creationId xmlns:a16="http://schemas.microsoft.com/office/drawing/2014/main" id="{09B641E9-9A95-F674-BA4F-8A25E116F1A5}"/>
+              </a:ext>
+            </a:extLst>
+          </p:cNvPr>
+          <p:cNvPicPr>
+            <a:picLocks noChangeAspect="1"/>
+          </p:cNvPicPr>
+          <p:nvPr/>
+        </p:nvPicPr>
+        <p:blipFill>
+          <a:blip r:embed="rId6"/>
+          <a:stretch>
+            <a:fillRect/>
+          </a:stretch>
+        </p:blipFill>
+        <p:spPr>
+          <a:xfrm>
+            <a:off x="6438986" y="3628474"/>
+            <a:ext cx="4846320" cy="2907792"/>
+          </a:xfrm>
+          <a:prstGeom prst="rect">
+            <a:avLst/>
+          </a:prstGeom>
+        </p:spPr>
+      </p:pic>
+      <p:sp>
+        <p:nvSpPr>
+          <p:cNvPr id="4" name="TextBox 3">
+            <a:extLst>
+              <a:ext uri="{FF2B5EF4-FFF2-40B4-BE49-F238E27FC236}">
+                <a16:creationId xmlns:a16="http://schemas.microsoft.com/office/drawing/2014/main" id="{14ACAAA2-F33E-BC70-5869-A9A88EE87F9A}"/>
+              </a:ext>
+            </a:extLst>
+          </p:cNvPr>
+          <p:cNvSpPr txBox="1"/>
+          <p:nvPr/>
+        </p:nvSpPr>
+        <p:spPr>
+          <a:xfrm>
+            <a:off x="6117319" y="3631096"/>
+            <a:ext cx="652073" cy="369332"/>
+          </a:xfrm>
+          <a:prstGeom prst="rect">
+            <a:avLst/>
+          </a:prstGeom>
+          <a:noFill/>
+        </p:spPr>
+        <p:txBody>
+          <a:bodyPr wrap="square" rtlCol="0">
+            <a:spAutoFit/>
+          </a:bodyPr>
+          <a:lstStyle/>
+          <a:p>
+            <a:r>
+              <a:rPr lang="en-US" dirty="0"/>
+              <a:t>D.</a:t>
+            </a:r>
+          </a:p>
+        </p:txBody>
+      </p:sp>
+    </p:spTree>
+    <p:extLst>
+      <p:ext uri="{BB962C8B-B14F-4D97-AF65-F5344CB8AC3E}">
+        <p14:creationId xmlns:p14="http://schemas.microsoft.com/office/powerpoint/2010/main" val="2099604274"/>
+      </p:ext>
+    </p:extLst>
+  </p:cSld>
+  <p:clrMapOvr>
+    <a:masterClrMapping/>
+  </p:clrMapOvr>
+</p:sld>
+</file>
+
+<file path=ppt/slides/slide4.xml><?xml version="1.0" encoding="utf-8"?>
 <p:sld xmlns:a="http://schemas.openxmlformats.org/drawingml/2006/main" xmlns:r="http://schemas.openxmlformats.org/officeDocument/2006/relationships" xmlns:p="http://schemas.openxmlformats.org/presentationml/2006/main">
   <p:cSld>
     <p:bg>
@@ -4729,72 +5201,6 @@
           </a:prstGeom>
         </p:spPr>
       </p:pic>
-      <p:sp>
-        <p:nvSpPr>
-          <p:cNvPr id="16" name="Rectangle 15">
-            <a:extLst>
-              <a:ext uri="{FF2B5EF4-FFF2-40B4-BE49-F238E27FC236}">
-                <a16:creationId xmlns:a16="http://schemas.microsoft.com/office/drawing/2014/main" id="{417CDA24-35F8-4540-8C52-3096D6D94949}"/>
-              </a:ext>
-              <a:ext uri="{C183D7F6-B498-43B3-948B-1728B52AA6E4}">
-                <adec:decorative xmlns:adec="http://schemas.microsoft.com/office/drawing/2017/decorative" val="1"/>
-              </a:ext>
-            </a:extLst>
-          </p:cNvPr>
-          <p:cNvSpPr>
-            <a:spLocks noGrp="1" noRot="1" noChangeAspect="1" noMove="1" noResize="1" noEditPoints="1" noAdjustHandles="1" noChangeArrowheads="1" noChangeShapeType="1" noTextEdit="1"/>
-          </p:cNvSpPr>
-          <p:nvPr>
-            <p:extLst>
-              <p:ext uri="{386F3935-93C4-4BCD-93E2-E3B085C9AB24}">
-                <p16:designElem xmlns:p16="http://schemas.microsoft.com/office/powerpoint/2015/main" val="1"/>
-              </p:ext>
-            </p:extLst>
-          </p:nvPr>
-        </p:nvSpPr>
-        <p:spPr>
-          <a:xfrm>
-            <a:off x="6050280" y="0"/>
-            <a:ext cx="91440" cy="6858000"/>
-          </a:xfrm>
-          <a:prstGeom prst="rect">
-            <a:avLst/>
-          </a:prstGeom>
-          <a:solidFill>
-            <a:schemeClr val="tx1">
-              <a:lumMod val="75000"/>
-              <a:lumOff val="25000"/>
-            </a:schemeClr>
-          </a:solidFill>
-          <a:ln>
-            <a:noFill/>
-          </a:ln>
-        </p:spPr>
-        <p:style>
-          <a:lnRef idx="2">
-            <a:schemeClr val="accent1">
-              <a:shade val="50000"/>
-            </a:schemeClr>
-          </a:lnRef>
-          <a:fillRef idx="1">
-            <a:schemeClr val="accent1"/>
-          </a:fillRef>
-          <a:effectRef idx="0">
-            <a:schemeClr val="accent1"/>
-          </a:effectRef>
-          <a:fontRef idx="minor">
-            <a:schemeClr val="lt1"/>
-          </a:fontRef>
-        </p:style>
-        <p:txBody>
-          <a:bodyPr rtlCol="0" anchor="ctr"/>
-          <a:lstStyle/>
-          <a:p>
-            <a:pPr algn="ctr"/>
-            <a:endParaRPr lang="en-US"/>
-          </a:p>
-        </p:txBody>
-      </p:sp>
       <p:pic>
         <p:nvPicPr>
           <p:cNvPr id="9" name="Picture 8">
@@ -4825,138 +5231,6 @@
           </a:prstGeom>
         </p:spPr>
       </p:pic>
-      <p:sp>
-        <p:nvSpPr>
-          <p:cNvPr id="18" name="Rectangle 17">
-            <a:extLst>
-              <a:ext uri="{FF2B5EF4-FFF2-40B4-BE49-F238E27FC236}">
-                <a16:creationId xmlns:a16="http://schemas.microsoft.com/office/drawing/2014/main" id="{8658BFE0-4E65-4174-9C75-687C94E88273}"/>
-              </a:ext>
-              <a:ext uri="{C183D7F6-B498-43B3-948B-1728B52AA6E4}">
-                <adec:decorative xmlns:adec="http://schemas.microsoft.com/office/drawing/2017/decorative" val="1"/>
-              </a:ext>
-            </a:extLst>
-          </p:cNvPr>
-          <p:cNvSpPr>
-            <a:spLocks noGrp="1" noRot="1" noChangeAspect="1" noMove="1" noResize="1" noEditPoints="1" noAdjustHandles="1" noChangeArrowheads="1" noChangeShapeType="1" noTextEdit="1"/>
-          </p:cNvSpPr>
-          <p:nvPr>
-            <p:extLst>
-              <p:ext uri="{386F3935-93C4-4BCD-93E2-E3B085C9AB24}">
-                <p16:designElem xmlns:p16="http://schemas.microsoft.com/office/powerpoint/2015/main" val="1"/>
-              </p:ext>
-            </p:extLst>
-          </p:nvPr>
-        </p:nvSpPr>
-        <p:spPr>
-          <a:xfrm>
-            <a:off x="0" y="3383280"/>
-            <a:ext cx="6126480" cy="91440"/>
-          </a:xfrm>
-          <a:prstGeom prst="rect">
-            <a:avLst/>
-          </a:prstGeom>
-          <a:solidFill>
-            <a:schemeClr val="tx1">
-              <a:lumMod val="75000"/>
-              <a:lumOff val="25000"/>
-            </a:schemeClr>
-          </a:solidFill>
-          <a:ln>
-            <a:noFill/>
-          </a:ln>
-        </p:spPr>
-        <p:style>
-          <a:lnRef idx="2">
-            <a:schemeClr val="accent1">
-              <a:shade val="50000"/>
-            </a:schemeClr>
-          </a:lnRef>
-          <a:fillRef idx="1">
-            <a:schemeClr val="accent1"/>
-          </a:fillRef>
-          <a:effectRef idx="0">
-            <a:schemeClr val="accent1"/>
-          </a:effectRef>
-          <a:fontRef idx="minor">
-            <a:schemeClr val="lt1"/>
-          </a:fontRef>
-        </p:style>
-        <p:txBody>
-          <a:bodyPr rtlCol="0" anchor="ctr"/>
-          <a:lstStyle/>
-          <a:p>
-            <a:pPr algn="ctr"/>
-            <a:endParaRPr lang="en-US"/>
-          </a:p>
-        </p:txBody>
-      </p:sp>
-      <p:sp>
-        <p:nvSpPr>
-          <p:cNvPr id="20" name="Rectangle 19">
-            <a:extLst>
-              <a:ext uri="{FF2B5EF4-FFF2-40B4-BE49-F238E27FC236}">
-                <a16:creationId xmlns:a16="http://schemas.microsoft.com/office/drawing/2014/main" id="{FA75DFED-A0C1-4A83-BE1D-0271C1826EF6}"/>
-              </a:ext>
-              <a:ext uri="{C183D7F6-B498-43B3-948B-1728B52AA6E4}">
-                <adec:decorative xmlns:adec="http://schemas.microsoft.com/office/drawing/2017/decorative" val="1"/>
-              </a:ext>
-            </a:extLst>
-          </p:cNvPr>
-          <p:cNvSpPr>
-            <a:spLocks noGrp="1" noRot="1" noChangeAspect="1" noMove="1" noResize="1" noEditPoints="1" noAdjustHandles="1" noChangeArrowheads="1" noChangeShapeType="1" noTextEdit="1"/>
-          </p:cNvSpPr>
-          <p:nvPr>
-            <p:extLst>
-              <p:ext uri="{386F3935-93C4-4BCD-93E2-E3B085C9AB24}">
-                <p16:designElem xmlns:p16="http://schemas.microsoft.com/office/powerpoint/2015/main" val="1"/>
-              </p:ext>
-            </p:extLst>
-          </p:nvPr>
-        </p:nvSpPr>
-        <p:spPr>
-          <a:xfrm>
-            <a:off x="6065520" y="3383280"/>
-            <a:ext cx="6126480" cy="91440"/>
-          </a:xfrm>
-          <a:prstGeom prst="rect">
-            <a:avLst/>
-          </a:prstGeom>
-          <a:solidFill>
-            <a:schemeClr val="tx1">
-              <a:lumMod val="75000"/>
-              <a:lumOff val="25000"/>
-            </a:schemeClr>
-          </a:solidFill>
-          <a:ln>
-            <a:noFill/>
-          </a:ln>
-        </p:spPr>
-        <p:style>
-          <a:lnRef idx="2">
-            <a:schemeClr val="accent1">
-              <a:shade val="50000"/>
-            </a:schemeClr>
-          </a:lnRef>
-          <a:fillRef idx="1">
-            <a:schemeClr val="accent1"/>
-          </a:fillRef>
-          <a:effectRef idx="0">
-            <a:schemeClr val="accent1"/>
-          </a:effectRef>
-          <a:fontRef idx="minor">
-            <a:schemeClr val="lt1"/>
-          </a:fontRef>
-        </p:style>
-        <p:txBody>
-          <a:bodyPr rtlCol="0" anchor="ctr"/>
-          <a:lstStyle/>
-          <a:p>
-            <a:pPr algn="ctr"/>
-            <a:endParaRPr lang="en-US"/>
-          </a:p>
-        </p:txBody>
-      </p:sp>
       <p:pic>
         <p:nvPicPr>
           <p:cNvPr id="5" name="Picture 4">
@@ -4979,7 +5253,7 @@
         </p:blipFill>
         <p:spPr>
           <a:xfrm>
-            <a:off x="870116" y="3631096"/>
+            <a:off x="870117" y="3631096"/>
             <a:ext cx="4600933" cy="2760560"/>
           </a:xfrm>
           <a:prstGeom prst="rect">
@@ -5009,7 +5283,7 @@
         </p:blipFill>
         <p:spPr>
           <a:xfrm>
-            <a:off x="6563865" y="3631096"/>
+            <a:off x="6563866" y="3631096"/>
             <a:ext cx="4600933" cy="2760560"/>
           </a:xfrm>
           <a:prstGeom prst="rect">
@@ -5017,6 +5291,146 @@
           </a:prstGeom>
         </p:spPr>
       </p:pic>
+      <p:sp>
+        <p:nvSpPr>
+          <p:cNvPr id="2" name="TextBox 1">
+            <a:extLst>
+              <a:ext uri="{FF2B5EF4-FFF2-40B4-BE49-F238E27FC236}">
+                <a16:creationId xmlns:a16="http://schemas.microsoft.com/office/drawing/2014/main" id="{0461D2B6-ED20-FB27-D1AA-74F98C51A55F}"/>
+              </a:ext>
+            </a:extLst>
+          </p:cNvPr>
+          <p:cNvSpPr txBox="1"/>
+          <p:nvPr/>
+        </p:nvSpPr>
+        <p:spPr>
+          <a:xfrm>
+            <a:off x="423572" y="281678"/>
+            <a:ext cx="652073" cy="369332"/>
+          </a:xfrm>
+          <a:prstGeom prst="rect">
+            <a:avLst/>
+          </a:prstGeom>
+          <a:noFill/>
+        </p:spPr>
+        <p:txBody>
+          <a:bodyPr wrap="square" rtlCol="0">
+            <a:spAutoFit/>
+          </a:bodyPr>
+          <a:lstStyle/>
+          <a:p>
+            <a:r>
+              <a:rPr lang="en-US" dirty="0"/>
+              <a:t>A.</a:t>
+            </a:r>
+          </a:p>
+        </p:txBody>
+      </p:sp>
+      <p:sp>
+        <p:nvSpPr>
+          <p:cNvPr id="3" name="TextBox 2">
+            <a:extLst>
+              <a:ext uri="{FF2B5EF4-FFF2-40B4-BE49-F238E27FC236}">
+                <a16:creationId xmlns:a16="http://schemas.microsoft.com/office/drawing/2014/main" id="{A608FF0A-3857-5901-C1FF-5ED96F2E6B4A}"/>
+              </a:ext>
+            </a:extLst>
+          </p:cNvPr>
+          <p:cNvSpPr txBox="1"/>
+          <p:nvPr/>
+        </p:nvSpPr>
+        <p:spPr>
+          <a:xfrm>
+            <a:off x="6117319" y="281678"/>
+            <a:ext cx="652073" cy="369332"/>
+          </a:xfrm>
+          <a:prstGeom prst="rect">
+            <a:avLst/>
+          </a:prstGeom>
+          <a:noFill/>
+        </p:spPr>
+        <p:txBody>
+          <a:bodyPr wrap="square" rtlCol="0">
+            <a:spAutoFit/>
+          </a:bodyPr>
+          <a:lstStyle/>
+          <a:p>
+            <a:r>
+              <a:rPr lang="en-US" dirty="0"/>
+              <a:t>B.</a:t>
+            </a:r>
+          </a:p>
+        </p:txBody>
+      </p:sp>
+      <p:sp>
+        <p:nvSpPr>
+          <p:cNvPr id="4" name="TextBox 3">
+            <a:extLst>
+              <a:ext uri="{FF2B5EF4-FFF2-40B4-BE49-F238E27FC236}">
+                <a16:creationId xmlns:a16="http://schemas.microsoft.com/office/drawing/2014/main" id="{C8461F4C-34D0-DB01-0BAE-A60663391602}"/>
+              </a:ext>
+            </a:extLst>
+          </p:cNvPr>
+          <p:cNvSpPr txBox="1"/>
+          <p:nvPr/>
+        </p:nvSpPr>
+        <p:spPr>
+          <a:xfrm>
+            <a:off x="423572" y="3631096"/>
+            <a:ext cx="652073" cy="369332"/>
+          </a:xfrm>
+          <a:prstGeom prst="rect">
+            <a:avLst/>
+          </a:prstGeom>
+          <a:noFill/>
+        </p:spPr>
+        <p:txBody>
+          <a:bodyPr wrap="square" rtlCol="0">
+            <a:spAutoFit/>
+          </a:bodyPr>
+          <a:lstStyle/>
+          <a:p>
+            <a:r>
+              <a:rPr lang="en-US" dirty="0"/>
+              <a:t>C.</a:t>
+            </a:r>
+          </a:p>
+        </p:txBody>
+      </p:sp>
+      <p:sp>
+        <p:nvSpPr>
+          <p:cNvPr id="6" name="TextBox 5">
+            <a:extLst>
+              <a:ext uri="{FF2B5EF4-FFF2-40B4-BE49-F238E27FC236}">
+                <a16:creationId xmlns:a16="http://schemas.microsoft.com/office/drawing/2014/main" id="{FEBEE5F6-509A-12CC-A44B-E0E6FDE06FBD}"/>
+              </a:ext>
+            </a:extLst>
+          </p:cNvPr>
+          <p:cNvSpPr txBox="1"/>
+          <p:nvPr/>
+        </p:nvSpPr>
+        <p:spPr>
+          <a:xfrm>
+            <a:off x="6117319" y="3631096"/>
+            <a:ext cx="652073" cy="369332"/>
+          </a:xfrm>
+          <a:prstGeom prst="rect">
+            <a:avLst/>
+          </a:prstGeom>
+          <a:noFill/>
+        </p:spPr>
+        <p:txBody>
+          <a:bodyPr wrap="square" rtlCol="0">
+            <a:spAutoFit/>
+          </a:bodyPr>
+          <a:lstStyle/>
+          <a:p>
+            <a:r>
+              <a:rPr lang="en-US" dirty="0"/>
+              <a:t>D.</a:t>
+            </a:r>
+          </a:p>
+        </p:txBody>
+      </p:sp>
     </p:spTree>
     <p:extLst>
       <p:ext uri="{BB962C8B-B14F-4D97-AF65-F5344CB8AC3E}">
@@ -5030,7 +5444,7 @@
 </p:sld>
 </file>
 
-<file path=ppt/slides/slide4.xml><?xml version="1.0" encoding="utf-8"?>
+<file path=ppt/slides/slide5.xml><?xml version="1.0" encoding="utf-8"?>
 <p:sld xmlns:a="http://schemas.openxmlformats.org/drawingml/2006/main" xmlns:r="http://schemas.openxmlformats.org/officeDocument/2006/relationships" xmlns:p="http://schemas.openxmlformats.org/presentationml/2006/main">
   <p:cSld>
     <p:spTree>
@@ -5066,7 +5480,7 @@
 </p:sld>
 </file>
 
-<file path=ppt/slides/slide5.xml><?xml version="1.0" encoding="utf-8"?>
+<file path=ppt/slides/slide6.xml><?xml version="1.0" encoding="utf-8"?>
 <p:sld xmlns:a="http://schemas.openxmlformats.org/drawingml/2006/main" xmlns:r="http://schemas.openxmlformats.org/officeDocument/2006/relationships" xmlns:p="http://schemas.openxmlformats.org/presentationml/2006/main">
   <p:cSld>
     <p:bg>
@@ -5179,7 +5593,7 @@
         </p:blipFill>
         <p:spPr>
           <a:xfrm>
-            <a:off x="870116" y="3631096"/>
+            <a:off x="870117" y="3631096"/>
             <a:ext cx="4600933" cy="2760560"/>
           </a:xfrm>
           <a:prstGeom prst="rect">
@@ -5305,7 +5719,7 @@
 </p:sld>
 </file>
 
-<file path=ppt/slides/slide6.xml><?xml version="1.0" encoding="utf-8"?>
+<file path=ppt/slides/slide7.xml><?xml version="1.0" encoding="utf-8"?>
 <p:sld xmlns:a="http://schemas.openxmlformats.org/drawingml/2006/main" xmlns:r="http://schemas.openxmlformats.org/officeDocument/2006/relationships" xmlns:p="http://schemas.openxmlformats.org/presentationml/2006/main">
   <p:cSld>
     <p:bg>
@@ -5412,7 +5826,7 @@
         </p:blipFill>
         <p:spPr>
           <a:xfrm>
-            <a:off x="870116" y="3631096"/>
+            <a:off x="870117" y="3631096"/>
             <a:ext cx="4600933" cy="2760560"/>
           </a:xfrm>
           <a:prstGeom prst="rect">
